--- a/FinalProject/Presentation1.pptx
+++ b/FinalProject/Presentation1.pptx
@@ -8,6 +8,7 @@
     <p:sldId id="256" r:id="rId2"/>
     <p:sldId id="257" r:id="rId3"/>
     <p:sldId id="258" r:id="rId4"/>
+    <p:sldId id="259" r:id="rId5"/>
   </p:sldIdLst>
   <p:sldSz cx="12192000" cy="6858000"/>
   <p:notesSz cx="6858000" cy="9144000"/>
@@ -3244,7 +3245,7 @@
           <p:cNvPr id="2" name="Title 1">
             <a:extLst>
               <a:ext uri="{FF2B5EF4-FFF2-40B4-BE49-F238E27FC236}">
-                <a16:creationId xmlns:a16="http://schemas.microsoft.com/office/drawing/2014/main" id="{FEADA5EE-D03D-3642-9A16-1195F1606A3F}"/>
+                <a16:creationId xmlns="" xmlns:a16="http://schemas.microsoft.com/office/drawing/2014/main" id="{FEADA5EE-D03D-3642-9A16-1195F1606A3F}"/>
               </a:ext>
             </a:extLst>
           </p:cNvPr>
@@ -3274,7 +3275,7 @@
           <p:cNvPr id="3" name="Subtitle 2">
             <a:extLst>
               <a:ext uri="{FF2B5EF4-FFF2-40B4-BE49-F238E27FC236}">
-                <a16:creationId xmlns:a16="http://schemas.microsoft.com/office/drawing/2014/main" id="{D74FBC37-9A6E-514D-ADAB-DE31FC4640A0}"/>
+                <a16:creationId xmlns="" xmlns:a16="http://schemas.microsoft.com/office/drawing/2014/main" id="{D74FBC37-9A6E-514D-ADAB-DE31FC4640A0}"/>
               </a:ext>
             </a:extLst>
           </p:cNvPr>
@@ -3340,7 +3341,7 @@
           <p:cNvPr id="2" name="Title 1">
             <a:extLst>
               <a:ext uri="{FF2B5EF4-FFF2-40B4-BE49-F238E27FC236}">
-                <a16:creationId xmlns:a16="http://schemas.microsoft.com/office/drawing/2014/main" id="{F37795E6-EE5F-5E4D-AD96-3CE0FD412544}"/>
+                <a16:creationId xmlns="" xmlns:a16="http://schemas.microsoft.com/office/drawing/2014/main" id="{F37795E6-EE5F-5E4D-AD96-3CE0FD412544}"/>
               </a:ext>
             </a:extLst>
           </p:cNvPr>
@@ -3368,7 +3369,7 @@
           <p:cNvPr id="3" name="Content Placeholder 2">
             <a:extLst>
               <a:ext uri="{FF2B5EF4-FFF2-40B4-BE49-F238E27FC236}">
-                <a16:creationId xmlns:a16="http://schemas.microsoft.com/office/drawing/2014/main" id="{8539D2A7-D42A-284A-82F3-0CA27D2B3DF0}"/>
+                <a16:creationId xmlns="" xmlns:a16="http://schemas.microsoft.com/office/drawing/2014/main" id="{8539D2A7-D42A-284A-82F3-0CA27D2B3DF0}"/>
               </a:ext>
             </a:extLst>
           </p:cNvPr>
@@ -3548,7 +3549,7 @@
           <p:cNvPr id="2" name="Title 1">
             <a:extLst>
               <a:ext uri="{FF2B5EF4-FFF2-40B4-BE49-F238E27FC236}">
-                <a16:creationId xmlns:a16="http://schemas.microsoft.com/office/drawing/2014/main" id="{4C81DE61-FBBC-C14F-B381-1CDB5BBF34EE}"/>
+                <a16:creationId xmlns="" xmlns:a16="http://schemas.microsoft.com/office/drawing/2014/main" id="{4C81DE61-FBBC-C14F-B381-1CDB5BBF34EE}"/>
               </a:ext>
             </a:extLst>
           </p:cNvPr>
@@ -3576,7 +3577,7 @@
           <p:cNvPr id="3" name="Content Placeholder 2">
             <a:extLst>
               <a:ext uri="{FF2B5EF4-FFF2-40B4-BE49-F238E27FC236}">
-                <a16:creationId xmlns:a16="http://schemas.microsoft.com/office/drawing/2014/main" id="{B0938EDB-6518-254E-8C39-8139142F7738}"/>
+                <a16:creationId xmlns="" xmlns:a16="http://schemas.microsoft.com/office/drawing/2014/main" id="{B0938EDB-6518-254E-8C39-8139142F7738}"/>
               </a:ext>
             </a:extLst>
           </p:cNvPr>
@@ -3594,7 +3595,9 @@
           </a:xfrm>
         </p:spPr>
         <p:txBody>
-          <a:bodyPr/>
+          <a:bodyPr>
+            <a:normAutofit/>
+          </a:bodyPr>
           <a:lstStyle/>
           <a:p>
             <a:r>
@@ -3680,31 +3683,32 @@
               <a:t>Combine a beam search decoder and a combination of difference sentence </a:t>
             </a:r>
             <a:r>
-              <a:rPr lang="en-US" dirty="0" err="1">
+              <a:rPr lang="en-US" dirty="0" smtClean="0">
                 <a:sym typeface="Wingdings" pitchFamily="2" charset="2"/>
               </a:rPr>
-              <a:t>tranformers</a:t>
-            </a:r>
+              <a:t>transformers.</a:t>
+            </a:r>
+            <a:endParaRPr lang="en-US" dirty="0">
+              <a:sym typeface="Wingdings" pitchFamily="2" charset="2"/>
+            </a:endParaRPr>
+          </a:p>
+          <a:p>
+            <a:pPr lvl="1"/>
             <a:r>
               <a:rPr lang="en-US" dirty="0">
                 <a:sym typeface="Wingdings" pitchFamily="2" charset="2"/>
               </a:rPr>
-              <a:t>.</a:t>
-            </a:r>
-          </a:p>
-          <a:p>
-            <a:pPr lvl="1"/>
-            <a:r>
-              <a:rPr lang="en-US" dirty="0">
+              <a:t>Find best </a:t>
+            </a:r>
+            <a:r>
+              <a:rPr lang="en-US" dirty="0" smtClean="0">
                 <a:sym typeface="Wingdings" pitchFamily="2" charset="2"/>
               </a:rPr>
-              <a:t>Find best possible </a:t>
-            </a:r>
-            <a:endParaRPr lang="en-US" dirty="0"/>
-          </a:p>
-          <a:p>
-            <a:pPr lvl="1"/>
-            <a:endParaRPr lang="en-US" dirty="0"/>
+              <a:t>possible</a:t>
+            </a:r>
+            <a:endParaRPr lang="en-US" dirty="0" smtClean="0">
+              <a:sym typeface="Wingdings" pitchFamily="2" charset="2"/>
+            </a:endParaRPr>
           </a:p>
         </p:txBody>
       </p:sp>
@@ -3712,6 +3716,93 @@
     <p:extLst>
       <p:ext uri="{BB962C8B-B14F-4D97-AF65-F5344CB8AC3E}">
         <p14:creationId xmlns:p14="http://schemas.microsoft.com/office/powerpoint/2010/main" val="2299900691"/>
+      </p:ext>
+    </p:extLst>
+  </p:cSld>
+  <p:clrMapOvr>
+    <a:masterClrMapping/>
+  </p:clrMapOvr>
+</p:sld>
+</file>
+
+<file path=ppt/slides/slide4.xml><?xml version="1.0" encoding="utf-8"?>
+<p:sld xmlns:a="http://schemas.openxmlformats.org/drawingml/2006/main" xmlns:r="http://schemas.openxmlformats.org/officeDocument/2006/relationships" xmlns:p="http://schemas.openxmlformats.org/presentationml/2006/main">
+  <p:cSld>
+    <p:spTree>
+      <p:nvGrpSpPr>
+        <p:cNvPr id="1" name=""/>
+        <p:cNvGrpSpPr/>
+        <p:nvPr/>
+      </p:nvGrpSpPr>
+      <p:grpSpPr>
+        <a:xfrm>
+          <a:off x="0" y="0"/>
+          <a:ext cx="0" cy="0"/>
+          <a:chOff x="0" y="0"/>
+          <a:chExt cx="0" cy="0"/>
+        </a:xfrm>
+      </p:grpSpPr>
+      <p:sp>
+        <p:nvSpPr>
+          <p:cNvPr id="2" name="Title 1"/>
+          <p:cNvSpPr>
+            <a:spLocks noGrp="1"/>
+          </p:cNvSpPr>
+          <p:nvPr>
+            <p:ph type="title"/>
+          </p:nvPr>
+        </p:nvSpPr>
+        <p:spPr/>
+        <p:txBody>
+          <a:bodyPr/>
+          <a:lstStyle/>
+          <a:p>
+            <a:r>
+              <a:rPr lang="en-US" dirty="0" smtClean="0"/>
+              <a:t>Corpora</a:t>
+            </a:r>
+            <a:endParaRPr lang="en-US" dirty="0"/>
+          </a:p>
+        </p:txBody>
+      </p:sp>
+      <p:sp>
+        <p:nvSpPr>
+          <p:cNvPr id="3" name="Content Placeholder 2"/>
+          <p:cNvSpPr>
+            <a:spLocks noGrp="1"/>
+          </p:cNvSpPr>
+          <p:nvPr>
+            <p:ph idx="1"/>
+          </p:nvPr>
+        </p:nvSpPr>
+        <p:spPr/>
+        <p:txBody>
+          <a:bodyPr/>
+          <a:lstStyle/>
+          <a:p>
+            <a:r>
+              <a:rPr lang="en-US" dirty="0" smtClean="0"/>
+              <a:t>Geo-Tagged Tweets</a:t>
+            </a:r>
+          </a:p>
+          <a:p>
+            <a:pPr lvl="1"/>
+            <a:r>
+              <a:rPr lang="en-US" dirty="0" smtClean="0"/>
+              <a:t>Initially used for different study, but we can </a:t>
+            </a:r>
+            <a:r>
+              <a:rPr lang="en-US" smtClean="0"/>
+              <a:t>use them </a:t>
+            </a:r>
+            <a:endParaRPr lang="en-US"/>
+          </a:p>
+        </p:txBody>
+      </p:sp>
+    </p:spTree>
+    <p:extLst>
+      <p:ext uri="{BB962C8B-B14F-4D97-AF65-F5344CB8AC3E}">
+        <p14:creationId xmlns:p14="http://schemas.microsoft.com/office/powerpoint/2010/main" val="2193373056"/>
       </p:ext>
     </p:extLst>
   </p:cSld>
@@ -3764,7 +3855,7 @@
     </a:clrScheme>
     <a:fontScheme name="Parcel">
       <a:majorFont>
-        <a:latin typeface="Gill Sans MT" panose="020B0502020104020203"/>
+        <a:latin typeface="Gill Sans MT"/>
         <a:ea typeface=""/>
         <a:cs typeface=""/>
         <a:font script="Grek" typeface="Corbel"/>
@@ -3801,7 +3892,7 @@
         <a:font script="Geor" typeface="Sylfaen"/>
       </a:majorFont>
       <a:minorFont>
-        <a:latin typeface="Gill Sans MT" panose="020B0502020104020203"/>
+        <a:latin typeface="Gill Sans MT"/>
         <a:ea typeface=""/>
         <a:cs typeface=""/>
         <a:font script="Grek" typeface="Corbel"/>
@@ -3975,7 +4066,7 @@
   <a:extraClrSchemeLst/>
   <a:extLst>
     <a:ext uri="{05A4C25C-085E-4340-85A3-A5531E510DB2}">
-      <thm15:themeFamily xmlns:thm15="http://schemas.microsoft.com/office/thememl/2012/main" name="Parcel" id="{8BEC4385-4EB9-4D53-BFB5-0EA123736B6D}" vid="{4DB32801-28C0-48B0-8C1D-A9A58613615A}"/>
+      <thm15:themeFamily xmlns="" xmlns:thm15="http://schemas.microsoft.com/office/thememl/2012/main" name="Parcel" id="{8BEC4385-4EB9-4D53-BFB5-0EA123736B6D}" vid="{4DB32801-28C0-48B0-8C1D-A9A58613615A}"/>
     </a:ext>
   </a:extLst>
 </a:theme>

--- a/FinalProject/Presentation1.pptx
+++ b/FinalProject/Presentation1.pptx
@@ -8,7 +8,10 @@
     <p:sldId id="256" r:id="rId2"/>
     <p:sldId id="257" r:id="rId3"/>
     <p:sldId id="258" r:id="rId4"/>
-    <p:sldId id="259" r:id="rId5"/>
+    <p:sldId id="261" r:id="rId5"/>
+    <p:sldId id="259" r:id="rId6"/>
+    <p:sldId id="260" r:id="rId7"/>
+    <p:sldId id="262" r:id="rId8"/>
   </p:sldIdLst>
   <p:sldSz cx="12192000" cy="6858000"/>
   <p:notesSz cx="6858000" cy="9144000"/>
@@ -3245,7 +3248,7 @@
           <p:cNvPr id="2" name="Title 1">
             <a:extLst>
               <a:ext uri="{FF2B5EF4-FFF2-40B4-BE49-F238E27FC236}">
-                <a16:creationId xmlns="" xmlns:a16="http://schemas.microsoft.com/office/drawing/2014/main" id="{FEADA5EE-D03D-3642-9A16-1195F1606A3F}"/>
+                <a16:creationId xmlns:a16="http://schemas.microsoft.com/office/drawing/2014/main" xmlns="" id="{FEADA5EE-D03D-3642-9A16-1195F1606A3F}"/>
               </a:ext>
             </a:extLst>
           </p:cNvPr>
@@ -3275,7 +3278,7 @@
           <p:cNvPr id="3" name="Subtitle 2">
             <a:extLst>
               <a:ext uri="{FF2B5EF4-FFF2-40B4-BE49-F238E27FC236}">
-                <a16:creationId xmlns="" xmlns:a16="http://schemas.microsoft.com/office/drawing/2014/main" id="{D74FBC37-9A6E-514D-ADAB-DE31FC4640A0}"/>
+                <a16:creationId xmlns:a16="http://schemas.microsoft.com/office/drawing/2014/main" xmlns="" id="{D74FBC37-9A6E-514D-ADAB-DE31FC4640A0}"/>
               </a:ext>
             </a:extLst>
           </p:cNvPr>
@@ -3341,7 +3344,7 @@
           <p:cNvPr id="2" name="Title 1">
             <a:extLst>
               <a:ext uri="{FF2B5EF4-FFF2-40B4-BE49-F238E27FC236}">
-                <a16:creationId xmlns="" xmlns:a16="http://schemas.microsoft.com/office/drawing/2014/main" id="{F37795E6-EE5F-5E4D-AD96-3CE0FD412544}"/>
+                <a16:creationId xmlns:a16="http://schemas.microsoft.com/office/drawing/2014/main" xmlns="" id="{F37795E6-EE5F-5E4D-AD96-3CE0FD412544}"/>
               </a:ext>
             </a:extLst>
           </p:cNvPr>
@@ -3369,7 +3372,7 @@
           <p:cNvPr id="3" name="Content Placeholder 2">
             <a:extLst>
               <a:ext uri="{FF2B5EF4-FFF2-40B4-BE49-F238E27FC236}">
-                <a16:creationId xmlns="" xmlns:a16="http://schemas.microsoft.com/office/drawing/2014/main" id="{8539D2A7-D42A-284A-82F3-0CA27D2B3DF0}"/>
+                <a16:creationId xmlns:a16="http://schemas.microsoft.com/office/drawing/2014/main" xmlns="" id="{8539D2A7-D42A-284A-82F3-0CA27D2B3DF0}"/>
               </a:ext>
             </a:extLst>
           </p:cNvPr>
@@ -3549,7 +3552,7 @@
           <p:cNvPr id="2" name="Title 1">
             <a:extLst>
               <a:ext uri="{FF2B5EF4-FFF2-40B4-BE49-F238E27FC236}">
-                <a16:creationId xmlns="" xmlns:a16="http://schemas.microsoft.com/office/drawing/2014/main" id="{4C81DE61-FBBC-C14F-B381-1CDB5BBF34EE}"/>
+                <a16:creationId xmlns:a16="http://schemas.microsoft.com/office/drawing/2014/main" xmlns="" id="{4C81DE61-FBBC-C14F-B381-1CDB5BBF34EE}"/>
               </a:ext>
             </a:extLst>
           </p:cNvPr>
@@ -3577,7 +3580,7 @@
           <p:cNvPr id="3" name="Content Placeholder 2">
             <a:extLst>
               <a:ext uri="{FF2B5EF4-FFF2-40B4-BE49-F238E27FC236}">
-                <a16:creationId xmlns="" xmlns:a16="http://schemas.microsoft.com/office/drawing/2014/main" id="{B0938EDB-6518-254E-8C39-8139142F7738}"/>
+                <a16:creationId xmlns:a16="http://schemas.microsoft.com/office/drawing/2014/main" xmlns="" id="{B0938EDB-6518-254E-8C39-8139142F7738}"/>
               </a:ext>
             </a:extLst>
           </p:cNvPr>
@@ -3695,16 +3698,10 @@
           <a:p>
             <a:pPr lvl="1"/>
             <a:r>
-              <a:rPr lang="en-US" dirty="0">
-                <a:sym typeface="Wingdings" pitchFamily="2" charset="2"/>
-              </a:rPr>
-              <a:t>Find best </a:t>
-            </a:r>
-            <a:r>
               <a:rPr lang="en-US" dirty="0" smtClean="0">
                 <a:sym typeface="Wingdings" pitchFamily="2" charset="2"/>
               </a:rPr>
-              <a:t>possible</a:t>
+              <a:t>Apply a branching series of transformations, and prune based on a language models score at every step</a:t>
             </a:r>
             <a:endParaRPr lang="en-US" dirty="0" smtClean="0">
               <a:sym typeface="Wingdings" pitchFamily="2" charset="2"/>
@@ -3759,7 +3756,7 @@
           <a:p>
             <a:r>
               <a:rPr lang="en-US" dirty="0" smtClean="0"/>
-              <a:t>Corpora</a:t>
+              <a:t>Corpora/Datasets</a:t>
             </a:r>
             <a:endParaRPr lang="en-US" dirty="0"/>
           </a:p>
@@ -3775,34 +3772,870 @@
             <p:ph idx="1"/>
           </p:nvPr>
         </p:nvSpPr>
-        <p:spPr/>
-        <p:txBody>
-          <a:bodyPr/>
-          <a:lstStyle/>
-          <a:p>
-            <a:r>
-              <a:rPr lang="en-US" dirty="0" smtClean="0"/>
-              <a:t>Geo-Tagged Tweets</a:t>
+        <p:spPr>
+          <a:xfrm>
+            <a:off x="2231136" y="2638044"/>
+            <a:ext cx="8030464" cy="3470656"/>
+          </a:xfrm>
+        </p:spPr>
+        <p:txBody>
+          <a:bodyPr>
+            <a:normAutofit lnSpcReduction="10000"/>
+          </a:bodyPr>
+          <a:lstStyle/>
+          <a:p>
+            <a:r>
+              <a:rPr lang="en-US" dirty="0" smtClean="0"/>
+              <a:t>Tweet Set</a:t>
             </a:r>
           </a:p>
           <a:p>
             <a:pPr lvl="1"/>
             <a:r>
               <a:rPr lang="en-US" dirty="0" smtClean="0"/>
-              <a:t>Initially used for different study, but we can </a:t>
-            </a:r>
-            <a:r>
-              <a:rPr lang="en-US" smtClean="0"/>
-              <a:t>use them </a:t>
-            </a:r>
-            <a:endParaRPr lang="en-US"/>
+              <a:t>3.6M Tweets, made available with location information for another study</a:t>
+            </a:r>
+          </a:p>
+          <a:p>
+            <a:pPr lvl="1"/>
+            <a:r>
+              <a:rPr lang="en-US" dirty="0" smtClean="0"/>
+              <a:t>We could ignore the metadata</a:t>
+            </a:r>
+          </a:p>
+          <a:p>
+            <a:r>
+              <a:rPr lang="en-US" dirty="0" smtClean="0"/>
+              <a:t>Small English Language Dataset</a:t>
+            </a:r>
+          </a:p>
+          <a:p>
+            <a:pPr lvl="1"/>
+            <a:r>
+              <a:rPr lang="en-US" dirty="0" smtClean="0"/>
+              <a:t>This was used for our simple language model, as a means of scoring hypotheses we produced</a:t>
+            </a:r>
+          </a:p>
+          <a:p>
+            <a:r>
+              <a:rPr lang="en-US" dirty="0" smtClean="0"/>
+              <a:t>Dictionaries</a:t>
+            </a:r>
+          </a:p>
+          <a:p>
+            <a:pPr lvl="1"/>
+            <a:r>
+              <a:rPr lang="en-US" dirty="0" smtClean="0"/>
+              <a:t>Formal Word</a:t>
+            </a:r>
+          </a:p>
+          <a:p>
+            <a:pPr lvl="1"/>
+            <a:r>
+              <a:rPr lang="en-US" dirty="0" smtClean="0"/>
+              <a:t>Contractions</a:t>
+            </a:r>
+          </a:p>
+          <a:p>
+            <a:pPr lvl="1"/>
+            <a:r>
+              <a:rPr lang="en-US" dirty="0" smtClean="0"/>
+              <a:t>Interjections</a:t>
+            </a:r>
           </a:p>
         </p:txBody>
       </p:sp>
     </p:spTree>
     <p:extLst>
       <p:ext uri="{BB962C8B-B14F-4D97-AF65-F5344CB8AC3E}">
-        <p14:creationId xmlns:p14="http://schemas.microsoft.com/office/powerpoint/2010/main" val="2193373056"/>
+        <p14:creationId xmlns:p14="http://schemas.microsoft.com/office/powerpoint/2010/main" val="1687260328"/>
+      </p:ext>
+    </p:extLst>
+  </p:cSld>
+  <p:clrMapOvr>
+    <a:masterClrMapping/>
+  </p:clrMapOvr>
+</p:sld>
+</file>
+
+<file path=ppt/slides/slide5.xml><?xml version="1.0" encoding="utf-8"?>
+<p:sld xmlns:a="http://schemas.openxmlformats.org/drawingml/2006/main" xmlns:r="http://schemas.openxmlformats.org/officeDocument/2006/relationships" xmlns:p="http://schemas.openxmlformats.org/presentationml/2006/main">
+  <p:cSld>
+    <p:spTree>
+      <p:nvGrpSpPr>
+        <p:cNvPr id="1" name=""/>
+        <p:cNvGrpSpPr/>
+        <p:nvPr/>
+      </p:nvGrpSpPr>
+      <p:grpSpPr>
+        <a:xfrm>
+          <a:off x="0" y="0"/>
+          <a:ext cx="0" cy="0"/>
+          <a:chOff x="0" y="0"/>
+          <a:chExt cx="0" cy="0"/>
+        </a:xfrm>
+      </p:grpSpPr>
+      <p:sp>
+        <p:nvSpPr>
+          <p:cNvPr id="2" name="Title 1"/>
+          <p:cNvSpPr>
+            <a:spLocks noGrp="1"/>
+          </p:cNvSpPr>
+          <p:nvPr>
+            <p:ph type="title"/>
+          </p:nvPr>
+        </p:nvSpPr>
+        <p:spPr/>
+        <p:txBody>
+          <a:bodyPr/>
+          <a:lstStyle/>
+          <a:p>
+            <a:r>
+              <a:rPr lang="en-US" dirty="0" smtClean="0"/>
+              <a:t>example from reference paper</a:t>
+            </a:r>
+            <a:endParaRPr lang="en-US" dirty="0"/>
+          </a:p>
+        </p:txBody>
+      </p:sp>
+      <p:sp>
+        <p:nvSpPr>
+          <p:cNvPr id="5" name="Content Placeholder 4"/>
+          <p:cNvSpPr>
+            <a:spLocks noGrp="1"/>
+          </p:cNvSpPr>
+          <p:nvPr>
+            <p:ph idx="1"/>
+          </p:nvPr>
+        </p:nvSpPr>
+        <p:spPr>
+          <a:xfrm>
+            <a:off x="6765090" y="2638044"/>
+            <a:ext cx="4703083" cy="3101983"/>
+          </a:xfrm>
+        </p:spPr>
+        <p:txBody>
+          <a:bodyPr/>
+          <a:lstStyle/>
+          <a:p>
+            <a:r>
+              <a:rPr lang="en-US" dirty="0" smtClean="0"/>
+              <a:t>After each branching point, a score is calculated based on the following</a:t>
+            </a:r>
+          </a:p>
+          <a:p>
+            <a:pPr lvl="1"/>
+            <a:r>
+              <a:rPr lang="en-US" dirty="0"/>
+              <a:t>A</a:t>
+            </a:r>
+            <a:r>
+              <a:rPr lang="en-US" dirty="0" smtClean="0"/>
+              <a:t> language model score</a:t>
+            </a:r>
+          </a:p>
+          <a:p>
+            <a:pPr lvl="1"/>
+            <a:r>
+              <a:rPr lang="en-US" dirty="0" smtClean="0"/>
+              <a:t>The difference between the phrase and its predecessor</a:t>
+            </a:r>
+          </a:p>
+          <a:p>
+            <a:pPr lvl="1"/>
+            <a:r>
+              <a:rPr lang="en-US" dirty="0" smtClean="0"/>
+              <a:t>The number of informal words in the final phrase</a:t>
+            </a:r>
+            <a:endParaRPr lang="en-US" dirty="0"/>
+          </a:p>
+        </p:txBody>
+      </p:sp>
+      <p:pic>
+        <p:nvPicPr>
+          <p:cNvPr id="6" name="Picture 5" descr="Screen Shot 2018-12-06 at 9.58.45 AM.png"/>
+          <p:cNvPicPr>
+            <a:picLocks noChangeAspect="1"/>
+          </p:cNvPicPr>
+          <p:nvPr/>
+        </p:nvPicPr>
+        <p:blipFill>
+          <a:blip r:embed="rId2">
+            <a:extLst>
+              <a:ext uri="{28A0092B-C50C-407E-A947-70E740481C1C}">
+                <a14:useLocalDpi xmlns:a14="http://schemas.microsoft.com/office/drawing/2010/main" val="0"/>
+              </a:ext>
+            </a:extLst>
+          </a:blip>
+          <a:stretch>
+            <a:fillRect/>
+          </a:stretch>
+        </p:blipFill>
+        <p:spPr>
+          <a:xfrm>
+            <a:off x="2231136" y="2467213"/>
+            <a:ext cx="4169664" cy="4000337"/>
+          </a:xfrm>
+          <a:prstGeom prst="rect">
+            <a:avLst/>
+          </a:prstGeom>
+        </p:spPr>
+      </p:pic>
+    </p:spTree>
+    <p:extLst>
+      <p:ext uri="{BB962C8B-B14F-4D97-AF65-F5344CB8AC3E}">
+        <p14:creationId xmlns:p14="http://schemas.microsoft.com/office/powerpoint/2010/main" val="1787736520"/>
+      </p:ext>
+    </p:extLst>
+  </p:cSld>
+  <p:clrMapOvr>
+    <a:masterClrMapping/>
+  </p:clrMapOvr>
+</p:sld>
+</file>
+
+<file path=ppt/slides/slide6.xml><?xml version="1.0" encoding="utf-8"?>
+<p:sld xmlns:a="http://schemas.openxmlformats.org/drawingml/2006/main" xmlns:r="http://schemas.openxmlformats.org/officeDocument/2006/relationships" xmlns:p="http://schemas.openxmlformats.org/presentationml/2006/main">
+  <p:cSld>
+    <p:spTree>
+      <p:nvGrpSpPr>
+        <p:cNvPr id="1" name=""/>
+        <p:cNvGrpSpPr/>
+        <p:nvPr/>
+      </p:nvGrpSpPr>
+      <p:grpSpPr>
+        <a:xfrm>
+          <a:off x="0" y="0"/>
+          <a:ext cx="0" cy="0"/>
+          <a:chOff x="0" y="0"/>
+          <a:chExt cx="0" cy="0"/>
+        </a:xfrm>
+      </p:grpSpPr>
+      <p:sp>
+        <p:nvSpPr>
+          <p:cNvPr id="2" name="Title 1"/>
+          <p:cNvSpPr>
+            <a:spLocks noGrp="1"/>
+          </p:cNvSpPr>
+          <p:nvPr>
+            <p:ph type="title"/>
+          </p:nvPr>
+        </p:nvSpPr>
+        <p:spPr/>
+        <p:txBody>
+          <a:bodyPr/>
+          <a:lstStyle/>
+          <a:p>
+            <a:r>
+              <a:rPr lang="en-US" dirty="0" smtClean="0"/>
+              <a:t>Hypothesis Producers </a:t>
+            </a:r>
+            <a:br>
+              <a:rPr lang="en-US" dirty="0" smtClean="0"/>
+            </a:br>
+            <a:r>
+              <a:rPr lang="en-US" dirty="0" smtClean="0"/>
+              <a:t>(some examples)</a:t>
+            </a:r>
+            <a:endParaRPr lang="en-US" dirty="0"/>
+          </a:p>
+        </p:txBody>
+      </p:sp>
+      <p:sp>
+        <p:nvSpPr>
+          <p:cNvPr id="3" name="Content Placeholder 2"/>
+          <p:cNvSpPr>
+            <a:spLocks noGrp="1"/>
+          </p:cNvSpPr>
+          <p:nvPr>
+            <p:ph idx="1"/>
+          </p:nvPr>
+        </p:nvSpPr>
+        <p:spPr>
+          <a:xfrm>
+            <a:off x="754639" y="2371344"/>
+            <a:ext cx="4360723" cy="3635756"/>
+          </a:xfrm>
+        </p:spPr>
+        <p:txBody>
+          <a:bodyPr>
+            <a:normAutofit fontScale="92500" lnSpcReduction="20000"/>
+          </a:bodyPr>
+          <a:lstStyle/>
+          <a:p>
+            <a:r>
+              <a:rPr lang="en-US" dirty="0" smtClean="0"/>
+              <a:t>Interjection</a:t>
+            </a:r>
+          </a:p>
+          <a:p>
+            <a:pPr lvl="1"/>
+            <a:r>
+              <a:rPr lang="en-US" dirty="0" smtClean="0"/>
+              <a:t>Removing phrases like “Oh!”, “Shoot!”, “Wow!”</a:t>
+            </a:r>
+          </a:p>
+          <a:p>
+            <a:r>
+              <a:rPr lang="en-US" dirty="0" smtClean="0"/>
+              <a:t>Time</a:t>
+            </a:r>
+          </a:p>
+          <a:p>
+            <a:pPr lvl="1"/>
+            <a:r>
+              <a:rPr lang="en-US" dirty="0" smtClean="0"/>
+              <a:t>“Meet me at 5” -&gt; “Meet me at 5 o’ clock”</a:t>
+            </a:r>
+          </a:p>
+          <a:p>
+            <a:pPr lvl="1"/>
+            <a:r>
+              <a:rPr lang="en-US" dirty="0" smtClean="0"/>
+              <a:t>“It’s at 8pm” -&gt; “It is at 8 PM”</a:t>
+            </a:r>
+          </a:p>
+          <a:p>
+            <a:r>
+              <a:rPr lang="en-US" dirty="0" smtClean="0"/>
+              <a:t>Dictionary</a:t>
+            </a:r>
+          </a:p>
+          <a:p>
+            <a:pPr lvl="1"/>
+            <a:r>
+              <a:rPr lang="en-US" dirty="0" smtClean="0"/>
+              <a:t>“</a:t>
+            </a:r>
+            <a:r>
+              <a:rPr lang="en-US" dirty="0" err="1" smtClean="0"/>
+              <a:t>tbh</a:t>
+            </a:r>
+            <a:r>
+              <a:rPr lang="en-US" dirty="0" smtClean="0"/>
+              <a:t> that test was hard” -&gt; “to be honest that test was hard”</a:t>
+            </a:r>
+          </a:p>
+          <a:p>
+            <a:r>
+              <a:rPr lang="en-US" dirty="0" smtClean="0"/>
+              <a:t>Apostrophe</a:t>
+            </a:r>
+          </a:p>
+          <a:p>
+            <a:pPr lvl="1"/>
+            <a:r>
+              <a:rPr lang="en-US" dirty="0" smtClean="0"/>
+              <a:t>“Well talk later” -&gt; “We’ll talk later”</a:t>
+            </a:r>
+          </a:p>
+          <a:p>
+            <a:pPr lvl="1"/>
+            <a:r>
+              <a:rPr lang="en-US" dirty="0" smtClean="0"/>
+              <a:t>“shed submitted the paper” -&gt; “she’d submitted the paper”</a:t>
+            </a:r>
+          </a:p>
+          <a:p>
+            <a:endParaRPr lang="en-US" dirty="0"/>
+          </a:p>
+        </p:txBody>
+      </p:sp>
+      <p:sp>
+        <p:nvSpPr>
+          <p:cNvPr id="4" name="Content Placeholder 2"/>
+          <p:cNvSpPr txBox="1">
+            <a:spLocks/>
+          </p:cNvSpPr>
+          <p:nvPr/>
+        </p:nvSpPr>
+        <p:spPr>
+          <a:xfrm>
+            <a:off x="5940532" y="2365504"/>
+            <a:ext cx="5855433" cy="3635756"/>
+          </a:xfrm>
+          <a:prstGeom prst="rect">
+            <a:avLst/>
+          </a:prstGeom>
+        </p:spPr>
+        <p:txBody>
+          <a:bodyPr vert="horz" lIns="91440" tIns="45720" rIns="91440" bIns="45720" rtlCol="0">
+            <a:normAutofit/>
+          </a:bodyPr>
+          <a:lstStyle>
+            <a:lvl1pPr marL="228600" indent="-228600" algn="l" defTabSz="914400" rtl="0" eaLnBrk="1" latinLnBrk="0" hangingPunct="1">
+              <a:lnSpc>
+                <a:spcPct val="100000"/>
+              </a:lnSpc>
+              <a:spcBef>
+                <a:spcPts val="1000"/>
+              </a:spcBef>
+              <a:buClr>
+                <a:schemeClr val="accent2"/>
+              </a:buClr>
+              <a:buFont typeface="Arial" panose="020B0604020202020204" pitchFamily="34" charset="0"/>
+              <a:buChar char="•"/>
+              <a:defRPr sz="1800" kern="1200">
+                <a:solidFill>
+                  <a:schemeClr val="tx1">
+                    <a:lumMod val="85000"/>
+                    <a:lumOff val="15000"/>
+                  </a:schemeClr>
+                </a:solidFill>
+                <a:latin typeface="+mn-lt"/>
+                <a:ea typeface="+mn-ea"/>
+                <a:cs typeface="+mn-cs"/>
+              </a:defRPr>
+            </a:lvl1pPr>
+            <a:lvl2pPr marL="457200" indent="-228600" algn="l" defTabSz="914400" rtl="0" eaLnBrk="1" latinLnBrk="0" hangingPunct="1">
+              <a:lnSpc>
+                <a:spcPct val="100000"/>
+              </a:lnSpc>
+              <a:spcBef>
+                <a:spcPts val="1000"/>
+              </a:spcBef>
+              <a:buClr>
+                <a:schemeClr val="accent2"/>
+              </a:buClr>
+              <a:buFont typeface="Arial" panose="020B0604020202020204" pitchFamily="34" charset="0"/>
+              <a:buChar char="•"/>
+              <a:defRPr sz="1600" kern="1200">
+                <a:solidFill>
+                  <a:schemeClr val="tx1">
+                    <a:lumMod val="85000"/>
+                    <a:lumOff val="15000"/>
+                  </a:schemeClr>
+                </a:solidFill>
+                <a:latin typeface="+mn-lt"/>
+                <a:ea typeface="+mn-ea"/>
+                <a:cs typeface="+mn-cs"/>
+              </a:defRPr>
+            </a:lvl2pPr>
+            <a:lvl3pPr marL="685800" indent="-228600" algn="l" defTabSz="914400" rtl="0" eaLnBrk="1" latinLnBrk="0" hangingPunct="1">
+              <a:lnSpc>
+                <a:spcPct val="100000"/>
+              </a:lnSpc>
+              <a:spcBef>
+                <a:spcPts val="1000"/>
+              </a:spcBef>
+              <a:buClr>
+                <a:schemeClr val="accent2"/>
+              </a:buClr>
+              <a:buFont typeface="Arial" panose="020B0604020202020204" pitchFamily="34" charset="0"/>
+              <a:buChar char="•"/>
+              <a:defRPr sz="1600" kern="1200">
+                <a:solidFill>
+                  <a:schemeClr val="tx1">
+                    <a:lumMod val="85000"/>
+                    <a:lumOff val="15000"/>
+                  </a:schemeClr>
+                </a:solidFill>
+                <a:latin typeface="+mn-lt"/>
+                <a:ea typeface="+mn-ea"/>
+                <a:cs typeface="+mn-cs"/>
+              </a:defRPr>
+            </a:lvl3pPr>
+            <a:lvl4pPr marL="914400" indent="-228600" algn="l" defTabSz="914400" rtl="0" eaLnBrk="1" latinLnBrk="0" hangingPunct="1">
+              <a:lnSpc>
+                <a:spcPct val="100000"/>
+              </a:lnSpc>
+              <a:spcBef>
+                <a:spcPts val="1000"/>
+              </a:spcBef>
+              <a:buClr>
+                <a:schemeClr val="accent2"/>
+              </a:buClr>
+              <a:buFont typeface="Arial" panose="020B0604020202020204" pitchFamily="34" charset="0"/>
+              <a:buChar char="•"/>
+              <a:defRPr sz="1600" kern="1200">
+                <a:solidFill>
+                  <a:schemeClr val="tx1">
+                    <a:lumMod val="85000"/>
+                    <a:lumOff val="15000"/>
+                  </a:schemeClr>
+                </a:solidFill>
+                <a:latin typeface="+mn-lt"/>
+                <a:ea typeface="+mn-ea"/>
+                <a:cs typeface="+mn-cs"/>
+              </a:defRPr>
+            </a:lvl4pPr>
+            <a:lvl5pPr marL="1143000" indent="-228600" algn="l" defTabSz="914400" rtl="0" eaLnBrk="1" latinLnBrk="0" hangingPunct="1">
+              <a:lnSpc>
+                <a:spcPct val="100000"/>
+              </a:lnSpc>
+              <a:spcBef>
+                <a:spcPts val="1000"/>
+              </a:spcBef>
+              <a:buClr>
+                <a:schemeClr val="accent2"/>
+              </a:buClr>
+              <a:buFont typeface="Arial" panose="020B0604020202020204" pitchFamily="34" charset="0"/>
+              <a:buChar char="•"/>
+              <a:defRPr sz="1600" kern="1200">
+                <a:solidFill>
+                  <a:schemeClr val="tx1">
+                    <a:lumMod val="85000"/>
+                    <a:lumOff val="15000"/>
+                  </a:schemeClr>
+                </a:solidFill>
+                <a:latin typeface="+mn-lt"/>
+                <a:ea typeface="+mn-ea"/>
+                <a:cs typeface="+mn-cs"/>
+              </a:defRPr>
+            </a:lvl5pPr>
+            <a:lvl6pPr marL="1312863" indent="-228600" algn="l" defTabSz="914400" rtl="0" eaLnBrk="1" latinLnBrk="0" hangingPunct="1">
+              <a:lnSpc>
+                <a:spcPct val="100000"/>
+              </a:lnSpc>
+              <a:spcBef>
+                <a:spcPts val="1000"/>
+              </a:spcBef>
+              <a:buClr>
+                <a:schemeClr val="accent2"/>
+              </a:buClr>
+              <a:buFont typeface="Arial" panose="020B0604020202020204" pitchFamily="34" charset="0"/>
+              <a:buChar char="•"/>
+              <a:defRPr sz="1600" kern="1200">
+                <a:solidFill>
+                  <a:schemeClr val="tx1"/>
+                </a:solidFill>
+                <a:latin typeface="+mn-lt"/>
+                <a:ea typeface="+mn-ea"/>
+                <a:cs typeface="+mn-cs"/>
+              </a:defRPr>
+            </a:lvl6pPr>
+            <a:lvl7pPr marL="1484313" indent="-228600" algn="l" defTabSz="914400" rtl="0" eaLnBrk="1" latinLnBrk="0" hangingPunct="1">
+              <a:lnSpc>
+                <a:spcPct val="100000"/>
+              </a:lnSpc>
+              <a:spcBef>
+                <a:spcPts val="1000"/>
+              </a:spcBef>
+              <a:buClr>
+                <a:schemeClr val="accent2"/>
+              </a:buClr>
+              <a:buFont typeface="Arial" panose="020B0604020202020204" pitchFamily="34" charset="0"/>
+              <a:buChar char="•"/>
+              <a:defRPr sz="1600" kern="1200">
+                <a:solidFill>
+                  <a:schemeClr val="tx1"/>
+                </a:solidFill>
+                <a:latin typeface="+mn-lt"/>
+                <a:ea typeface="+mn-ea"/>
+                <a:cs typeface="+mn-cs"/>
+              </a:defRPr>
+            </a:lvl7pPr>
+            <a:lvl8pPr marL="1657350" indent="-228600" algn="l" defTabSz="914400" rtl="0" eaLnBrk="1" latinLnBrk="0" hangingPunct="1">
+              <a:lnSpc>
+                <a:spcPct val="100000"/>
+              </a:lnSpc>
+              <a:spcBef>
+                <a:spcPts val="1000"/>
+              </a:spcBef>
+              <a:buClr>
+                <a:schemeClr val="accent2"/>
+              </a:buClr>
+              <a:buFont typeface="Arial" panose="020B0604020202020204" pitchFamily="34" charset="0"/>
+              <a:buChar char="•"/>
+              <a:defRPr sz="1600" kern="1200" baseline="0">
+                <a:solidFill>
+                  <a:schemeClr val="tx1"/>
+                </a:solidFill>
+                <a:latin typeface="+mn-lt"/>
+                <a:ea typeface="+mn-ea"/>
+                <a:cs typeface="+mn-cs"/>
+              </a:defRPr>
+            </a:lvl8pPr>
+            <a:lvl9pPr marL="1882775" indent="-228600" algn="l" defTabSz="914400" rtl="0" eaLnBrk="1" latinLnBrk="0" hangingPunct="1">
+              <a:lnSpc>
+                <a:spcPct val="100000"/>
+              </a:lnSpc>
+              <a:spcBef>
+                <a:spcPts val="1000"/>
+              </a:spcBef>
+              <a:buClr>
+                <a:schemeClr val="accent2"/>
+              </a:buClr>
+              <a:buFont typeface="Arial" panose="020B0604020202020204" pitchFamily="34" charset="0"/>
+              <a:buChar char="•"/>
+              <a:defRPr sz="1600" kern="1200" baseline="0">
+                <a:solidFill>
+                  <a:schemeClr val="tx1"/>
+                </a:solidFill>
+                <a:latin typeface="+mn-lt"/>
+                <a:ea typeface="+mn-ea"/>
+                <a:cs typeface="+mn-cs"/>
+              </a:defRPr>
+            </a:lvl9pPr>
+          </a:lstStyle>
+          <a:p>
+            <a:r>
+              <a:rPr lang="en-US" dirty="0" err="1" smtClean="0"/>
+              <a:t>Retonkenization</a:t>
+            </a:r>
+            <a:endParaRPr lang="en-US" dirty="0" smtClean="0"/>
+          </a:p>
+          <a:p>
+            <a:pPr lvl="1"/>
+            <a:r>
+              <a:rPr lang="en-US" dirty="0" smtClean="0"/>
+              <a:t>“</a:t>
+            </a:r>
+            <a:r>
+              <a:rPr lang="en-US" dirty="0" err="1" smtClean="0"/>
+              <a:t>ohh</a:t>
+            </a:r>
+            <a:r>
+              <a:rPr lang="en-US" dirty="0" smtClean="0"/>
+              <a:t> , cool .” -&gt; “</a:t>
+            </a:r>
+            <a:r>
+              <a:rPr lang="en-US" dirty="0" err="1" smtClean="0"/>
+              <a:t>ohh</a:t>
+            </a:r>
+            <a:r>
+              <a:rPr lang="en-US" dirty="0" smtClean="0"/>
+              <a:t>, cool”</a:t>
+            </a:r>
+          </a:p>
+          <a:p>
+            <a:r>
+              <a:rPr lang="en-US" dirty="0" smtClean="0"/>
+              <a:t>Punctuation</a:t>
+            </a:r>
+          </a:p>
+          <a:p>
+            <a:pPr lvl="1"/>
+            <a:r>
+              <a:rPr lang="en-US" dirty="0" smtClean="0"/>
+              <a:t>“where are you -&gt; “where are you?”</a:t>
+            </a:r>
+          </a:p>
+          <a:p>
+            <a:r>
+              <a:rPr lang="en-US" dirty="0" smtClean="0"/>
+              <a:t>Abbreviation (vowel omission)</a:t>
+            </a:r>
+          </a:p>
+          <a:p>
+            <a:pPr lvl="1"/>
+            <a:r>
+              <a:rPr lang="en-US" dirty="0" smtClean="0"/>
+              <a:t>“</a:t>
+            </a:r>
+            <a:r>
+              <a:rPr lang="en-US" dirty="0" err="1" smtClean="0"/>
+              <a:t>srsly</a:t>
+            </a:r>
+            <a:r>
+              <a:rPr lang="en-US" dirty="0" smtClean="0"/>
+              <a:t>” -&gt; “seriously”</a:t>
+            </a:r>
+          </a:p>
+          <a:p>
+            <a:r>
+              <a:rPr lang="en-US" dirty="0" smtClean="0"/>
+              <a:t>Prefix</a:t>
+            </a:r>
+          </a:p>
+          <a:p>
+            <a:pPr lvl="1"/>
+            <a:r>
+              <a:rPr lang="en-US" dirty="0" smtClean="0"/>
+              <a:t>“</a:t>
+            </a:r>
+            <a:r>
+              <a:rPr lang="en-US" dirty="0" err="1" smtClean="0"/>
+              <a:t>wanna</a:t>
+            </a:r>
+            <a:r>
+              <a:rPr lang="en-US" dirty="0" smtClean="0"/>
+              <a:t> grab din” -&gt; “</a:t>
+            </a:r>
+            <a:r>
+              <a:rPr lang="en-US" dirty="0" err="1" smtClean="0"/>
+              <a:t>wanna</a:t>
+            </a:r>
+            <a:r>
+              <a:rPr lang="en-US" dirty="0" smtClean="0"/>
+              <a:t> grab dinner”</a:t>
+            </a:r>
+            <a:endParaRPr lang="en-US" dirty="0"/>
+          </a:p>
+        </p:txBody>
+      </p:sp>
+    </p:spTree>
+    <p:extLst>
+      <p:ext uri="{BB962C8B-B14F-4D97-AF65-F5344CB8AC3E}">
+        <p14:creationId xmlns:p14="http://schemas.microsoft.com/office/powerpoint/2010/main" val="1097265659"/>
+      </p:ext>
+    </p:extLst>
+  </p:cSld>
+  <p:clrMapOvr>
+    <a:masterClrMapping/>
+  </p:clrMapOvr>
+</p:sld>
+</file>
+
+<file path=ppt/slides/slide7.xml><?xml version="1.0" encoding="utf-8"?>
+<p:sld xmlns:a="http://schemas.openxmlformats.org/drawingml/2006/main" xmlns:r="http://schemas.openxmlformats.org/officeDocument/2006/relationships" xmlns:p="http://schemas.openxmlformats.org/presentationml/2006/main">
+  <p:cSld>
+    <p:spTree>
+      <p:nvGrpSpPr>
+        <p:cNvPr id="1" name=""/>
+        <p:cNvGrpSpPr/>
+        <p:nvPr/>
+      </p:nvGrpSpPr>
+      <p:grpSpPr>
+        <a:xfrm>
+          <a:off x="0" y="0"/>
+          <a:ext cx="0" cy="0"/>
+          <a:chOff x="0" y="0"/>
+          <a:chExt cx="0" cy="0"/>
+        </a:xfrm>
+      </p:grpSpPr>
+      <p:sp>
+        <p:nvSpPr>
+          <p:cNvPr id="2" name="Title 1"/>
+          <p:cNvSpPr>
+            <a:spLocks noGrp="1"/>
+          </p:cNvSpPr>
+          <p:nvPr>
+            <p:ph type="title"/>
+          </p:nvPr>
+        </p:nvSpPr>
+        <p:spPr/>
+        <p:txBody>
+          <a:bodyPr/>
+          <a:lstStyle/>
+          <a:p>
+            <a:r>
+              <a:rPr lang="en-US" dirty="0" smtClean="0"/>
+              <a:t>Findings</a:t>
+            </a:r>
+            <a:endParaRPr lang="en-US" dirty="0"/>
+          </a:p>
+        </p:txBody>
+      </p:sp>
+      <p:sp>
+        <p:nvSpPr>
+          <p:cNvPr id="3" name="Content Placeholder 2"/>
+          <p:cNvSpPr>
+            <a:spLocks noGrp="1"/>
+          </p:cNvSpPr>
+          <p:nvPr>
+            <p:ph idx="1"/>
+          </p:nvPr>
+        </p:nvSpPr>
+        <p:spPr>
+          <a:xfrm>
+            <a:off x="2231136" y="2409444"/>
+            <a:ext cx="9313164" cy="4004056"/>
+          </a:xfrm>
+        </p:spPr>
+        <p:txBody>
+          <a:bodyPr>
+            <a:normAutofit fontScale="92500" lnSpcReduction="20000"/>
+          </a:bodyPr>
+          <a:lstStyle/>
+          <a:p>
+            <a:r>
+              <a:rPr lang="en-US" dirty="0" smtClean="0"/>
+              <a:t>Average Language Model Improvement of -0.3201 (log </a:t>
+            </a:r>
+            <a:r>
+              <a:rPr lang="en-US" dirty="0" err="1" smtClean="0"/>
+              <a:t>prob</a:t>
+            </a:r>
+            <a:r>
+              <a:rPr lang="en-US" dirty="0" smtClean="0"/>
+              <a:t>)</a:t>
+            </a:r>
+          </a:p>
+          <a:p>
+            <a:pPr lvl="1"/>
+            <a:r>
+              <a:rPr lang="en-US" dirty="0" smtClean="0"/>
+              <a:t>Note this means our normalization rendered the text </a:t>
+            </a:r>
+            <a:r>
+              <a:rPr lang="en-US" b="1" dirty="0" smtClean="0"/>
+              <a:t>worse</a:t>
+            </a:r>
+            <a:endParaRPr lang="en-US" dirty="0" smtClean="0"/>
+          </a:p>
+          <a:p>
+            <a:pPr lvl="1"/>
+            <a:endParaRPr lang="en-US" dirty="0"/>
+          </a:p>
+          <a:p>
+            <a:r>
+              <a:rPr lang="en-US" dirty="0" smtClean="0"/>
+              <a:t>Several Reasons</a:t>
+            </a:r>
+          </a:p>
+          <a:p>
+            <a:pPr lvl="1"/>
+            <a:r>
+              <a:rPr lang="en-US" dirty="0" smtClean="0"/>
+              <a:t>Language Model itself</a:t>
+            </a:r>
+          </a:p>
+          <a:p>
+            <a:pPr lvl="2"/>
+            <a:r>
+              <a:rPr lang="en-US" dirty="0" smtClean="0"/>
+              <a:t>Improvement through training on a larger corpus</a:t>
+            </a:r>
+          </a:p>
+          <a:p>
+            <a:pPr lvl="1"/>
+            <a:r>
+              <a:rPr lang="en-US" dirty="0" smtClean="0"/>
+              <a:t>Several Hypothesis producers like the dictionary had to be sourced by us</a:t>
+            </a:r>
+          </a:p>
+          <a:p>
+            <a:pPr lvl="2"/>
+            <a:r>
+              <a:rPr lang="en-US" dirty="0" smtClean="0"/>
+              <a:t>Access to more comprehensive dictionaries</a:t>
+            </a:r>
+          </a:p>
+          <a:p>
+            <a:pPr lvl="2"/>
+            <a:r>
+              <a:rPr lang="en-US" dirty="0" smtClean="0"/>
+              <a:t>Higher level statistical methods for correcting punctuation</a:t>
+            </a:r>
+          </a:p>
+          <a:p>
+            <a:pPr lvl="2"/>
+            <a:r>
+              <a:rPr lang="en-US" dirty="0" smtClean="0"/>
+              <a:t>Homophone Matching</a:t>
+            </a:r>
+          </a:p>
+          <a:p>
+            <a:pPr marL="457200" lvl="2" indent="0">
+              <a:buNone/>
+            </a:pPr>
+            <a:endParaRPr lang="en-US" dirty="0" smtClean="0"/>
+          </a:p>
+          <a:p>
+            <a:pPr lvl="1"/>
+            <a:r>
+              <a:rPr lang="en-US" dirty="0" smtClean="0"/>
+              <a:t>The dataset posed the additional challenge of a high usage of slang, and mix of foreign words</a:t>
+            </a:r>
+            <a:endParaRPr lang="en-US" dirty="0"/>
+          </a:p>
+        </p:txBody>
+      </p:sp>
+    </p:spTree>
+    <p:extLst>
+      <p:ext uri="{BB962C8B-B14F-4D97-AF65-F5344CB8AC3E}">
+        <p14:creationId xmlns:p14="http://schemas.microsoft.com/office/powerpoint/2010/main" val="972394472"/>
       </p:ext>
     </p:extLst>
   </p:cSld>
@@ -4066,7 +4899,7 @@
   <a:extraClrSchemeLst/>
   <a:extLst>
     <a:ext uri="{05A4C25C-085E-4340-85A3-A5531E510DB2}">
-      <thm15:themeFamily xmlns="" xmlns:thm15="http://schemas.microsoft.com/office/thememl/2012/main" name="Parcel" id="{8BEC4385-4EB9-4D53-BFB5-0EA123736B6D}" vid="{4DB32801-28C0-48B0-8C1D-A9A58613615A}"/>
+      <thm15:themeFamily xmlns:thm15="http://schemas.microsoft.com/office/thememl/2012/main" xmlns="" name="Parcel" id="{8BEC4385-4EB9-4D53-BFB5-0EA123736B6D}" vid="{4DB32801-28C0-48B0-8C1D-A9A58613615A}"/>
     </a:ext>
   </a:extLst>
 </a:theme>
